--- a/Hinh Hoc/NOTES/Cac bai Ket hop Hinh hoc va So hoc.pptx
+++ b/Hinh Hoc/NOTES/Cac bai Ket hop Hinh hoc va So hoc.pptx
@@ -8,7 +8,10 @@
     <p:sldId id="274" r:id="rId2"/>
     <p:sldId id="275" r:id="rId3"/>
     <p:sldId id="276" r:id="rId4"/>
-    <p:sldId id="277" r:id="rId5"/>
+    <p:sldId id="279" r:id="rId5"/>
+    <p:sldId id="281" r:id="rId6"/>
+    <p:sldId id="277" r:id="rId7"/>
+    <p:sldId id="278" r:id="rId8"/>
   </p:sldIdLst>
   <p:sldSz cx="12192000" cy="6858000"/>
   <p:notesSz cx="6858000" cy="9144000"/>
@@ -246,7 +249,7 @@
           <a:p>
             <a:fld id="{1DCD95A3-209B-4A3A-B84B-31D4978F125A}" type="datetimeFigureOut">
               <a:rPr lang="en-US" smtClean="0"/>
-              <a:t>2/21/2021</a:t>
+              <a:t>5/7/2021</a:t>
             </a:fld>
             <a:endParaRPr lang="en-US"/>
           </a:p>
@@ -416,7 +419,7 @@
           <a:p>
             <a:fld id="{1DCD95A3-209B-4A3A-B84B-31D4978F125A}" type="datetimeFigureOut">
               <a:rPr lang="en-US" smtClean="0"/>
-              <a:t>2/21/2021</a:t>
+              <a:t>5/7/2021</a:t>
             </a:fld>
             <a:endParaRPr lang="en-US"/>
           </a:p>
@@ -596,7 +599,7 @@
           <a:p>
             <a:fld id="{1DCD95A3-209B-4A3A-B84B-31D4978F125A}" type="datetimeFigureOut">
               <a:rPr lang="en-US" smtClean="0"/>
-              <a:t>2/21/2021</a:t>
+              <a:t>5/7/2021</a:t>
             </a:fld>
             <a:endParaRPr lang="en-US"/>
           </a:p>
@@ -766,7 +769,7 @@
           <a:p>
             <a:fld id="{1DCD95A3-209B-4A3A-B84B-31D4978F125A}" type="datetimeFigureOut">
               <a:rPr lang="en-US" smtClean="0"/>
-              <a:t>2/21/2021</a:t>
+              <a:t>5/7/2021</a:t>
             </a:fld>
             <a:endParaRPr lang="en-US"/>
           </a:p>
@@ -1012,7 +1015,7 @@
           <a:p>
             <a:fld id="{1DCD95A3-209B-4A3A-B84B-31D4978F125A}" type="datetimeFigureOut">
               <a:rPr lang="en-US" smtClean="0"/>
-              <a:t>2/21/2021</a:t>
+              <a:t>5/7/2021</a:t>
             </a:fld>
             <a:endParaRPr lang="en-US"/>
           </a:p>
@@ -1244,7 +1247,7 @@
           <a:p>
             <a:fld id="{1DCD95A3-209B-4A3A-B84B-31D4978F125A}" type="datetimeFigureOut">
               <a:rPr lang="en-US" smtClean="0"/>
-              <a:t>2/21/2021</a:t>
+              <a:t>5/7/2021</a:t>
             </a:fld>
             <a:endParaRPr lang="en-US"/>
           </a:p>
@@ -1611,7 +1614,7 @@
           <a:p>
             <a:fld id="{1DCD95A3-209B-4A3A-B84B-31D4978F125A}" type="datetimeFigureOut">
               <a:rPr lang="en-US" smtClean="0"/>
-              <a:t>2/21/2021</a:t>
+              <a:t>5/7/2021</a:t>
             </a:fld>
             <a:endParaRPr lang="en-US"/>
           </a:p>
@@ -1729,7 +1732,7 @@
           <a:p>
             <a:fld id="{1DCD95A3-209B-4A3A-B84B-31D4978F125A}" type="datetimeFigureOut">
               <a:rPr lang="en-US" smtClean="0"/>
-              <a:t>2/21/2021</a:t>
+              <a:t>5/7/2021</a:t>
             </a:fld>
             <a:endParaRPr lang="en-US"/>
           </a:p>
@@ -1824,7 +1827,7 @@
           <a:p>
             <a:fld id="{1DCD95A3-209B-4A3A-B84B-31D4978F125A}" type="datetimeFigureOut">
               <a:rPr lang="en-US" smtClean="0"/>
-              <a:t>2/21/2021</a:t>
+              <a:t>5/7/2021</a:t>
             </a:fld>
             <a:endParaRPr lang="en-US"/>
           </a:p>
@@ -2101,7 +2104,7 @@
           <a:p>
             <a:fld id="{1DCD95A3-209B-4A3A-B84B-31D4978F125A}" type="datetimeFigureOut">
               <a:rPr lang="en-US" smtClean="0"/>
-              <a:t>2/21/2021</a:t>
+              <a:t>5/7/2021</a:t>
             </a:fld>
             <a:endParaRPr lang="en-US"/>
           </a:p>
@@ -2354,7 +2357,7 @@
           <a:p>
             <a:fld id="{1DCD95A3-209B-4A3A-B84B-31D4978F125A}" type="datetimeFigureOut">
               <a:rPr lang="en-US" smtClean="0"/>
-              <a:t>2/21/2021</a:t>
+              <a:t>5/7/2021</a:t>
             </a:fld>
             <a:endParaRPr lang="en-US"/>
           </a:p>
@@ -2567,7 +2570,7 @@
           <a:p>
             <a:fld id="{1DCD95A3-209B-4A3A-B84B-31D4978F125A}" type="datetimeFigureOut">
               <a:rPr lang="en-US" smtClean="0"/>
-              <a:t>2/21/2021</a:t>
+              <a:t>5/7/2021</a:t>
             </a:fld>
             <a:endParaRPr lang="en-US"/>
           </a:p>
@@ -3315,7 +3318,7 @@
         </p:blipFill>
         <p:spPr>
           <a:xfrm>
-            <a:off x="740098" y="595221"/>
+            <a:off x="565981" y="776376"/>
             <a:ext cx="11149978" cy="6156661"/>
           </a:xfrm>
           <a:prstGeom prst="rect">
@@ -3791,10 +3794,522 @@
           </a:p>
         </p:txBody>
       </p:sp>
+      <p:pic>
+        <p:nvPicPr>
+          <p:cNvPr id="2" name="Picture 1"/>
+          <p:cNvPicPr>
+            <a:picLocks noChangeAspect="1"/>
+          </p:cNvPicPr>
+          <p:nvPr/>
+        </p:nvPicPr>
+        <p:blipFill>
+          <a:blip r:embed="rId2"/>
+          <a:stretch>
+            <a:fillRect/>
+          </a:stretch>
+        </p:blipFill>
+        <p:spPr>
+          <a:xfrm>
+            <a:off x="629729" y="497812"/>
+            <a:ext cx="10751714" cy="6324964"/>
+          </a:xfrm>
+          <a:prstGeom prst="rect">
+            <a:avLst/>
+          </a:prstGeom>
+        </p:spPr>
+      </p:pic>
+    </p:spTree>
+    <p:extLst>
+      <p:ext uri="{BB962C8B-B14F-4D97-AF65-F5344CB8AC3E}">
+        <p14:creationId xmlns:p14="http://schemas.microsoft.com/office/powerpoint/2010/main" val="1651573428"/>
+      </p:ext>
+    </p:extLst>
+  </p:cSld>
+  <p:clrMapOvr>
+    <a:masterClrMapping/>
+  </p:clrMapOvr>
+</p:sld>
+</file>
+
+<file path=ppt/slides/slide5.xml><?xml version="1.0" encoding="utf-8"?>
+<p:sld xmlns:a="http://schemas.openxmlformats.org/drawingml/2006/main" xmlns:r="http://schemas.openxmlformats.org/officeDocument/2006/relationships" xmlns:p="http://schemas.openxmlformats.org/presentationml/2006/main">
+  <p:cSld>
+    <p:spTree>
+      <p:nvGrpSpPr>
+        <p:cNvPr id="1" name=""/>
+        <p:cNvGrpSpPr/>
+        <p:nvPr/>
+      </p:nvGrpSpPr>
+      <p:grpSpPr>
+        <a:xfrm>
+          <a:off x="0" y="0"/>
+          <a:ext cx="0" cy="0"/>
+          <a:chOff x="0" y="0"/>
+          <a:chExt cx="0" cy="0"/>
+        </a:xfrm>
+      </p:grpSpPr>
+      <p:sp>
+        <p:nvSpPr>
+          <p:cNvPr id="11" name="TextBox 10"/>
+          <p:cNvSpPr txBox="1"/>
+          <p:nvPr/>
+        </p:nvSpPr>
+        <p:spPr>
+          <a:xfrm>
+            <a:off x="239465" y="128480"/>
+            <a:ext cx="11803010" cy="369332"/>
+          </a:xfrm>
+          <a:prstGeom prst="rect">
+            <a:avLst/>
+          </a:prstGeom>
+          <a:noFill/>
+        </p:spPr>
+        <p:txBody>
+          <a:bodyPr wrap="square" rtlCol="0">
+            <a:spAutoFit/>
+          </a:bodyPr>
+          <a:lstStyle/>
+          <a:p>
+            <a:r>
+              <a:rPr lang="en-US" dirty="0" err="1" smtClean="0">
+                <a:latin typeface="Arial" panose="020B0604020202020204" pitchFamily="34" charset="0"/>
+                <a:cs typeface="Arial" panose="020B0604020202020204" pitchFamily="34" charset="0"/>
+              </a:rPr>
+              <a:t>Cac</a:t>
+            </a:r>
+            <a:r>
+              <a:rPr lang="en-US" dirty="0" smtClean="0">
+                <a:latin typeface="Arial" panose="020B0604020202020204" pitchFamily="34" charset="0"/>
+                <a:cs typeface="Arial" panose="020B0604020202020204" pitchFamily="34" charset="0"/>
+              </a:rPr>
+              <a:t> De nay </a:t>
+            </a:r>
+            <a:r>
+              <a:rPr lang="en-US" dirty="0" err="1" smtClean="0">
+                <a:latin typeface="Arial" panose="020B0604020202020204" pitchFamily="34" charset="0"/>
+                <a:cs typeface="Arial" panose="020B0604020202020204" pitchFamily="34" charset="0"/>
+              </a:rPr>
+              <a:t>kho</a:t>
+            </a:r>
+            <a:r>
+              <a:rPr lang="en-US" dirty="0" smtClean="0">
+                <a:latin typeface="Arial" panose="020B0604020202020204" pitchFamily="34" charset="0"/>
+                <a:cs typeface="Arial" panose="020B0604020202020204" pitchFamily="34" charset="0"/>
+              </a:rPr>
+              <a:t> vi no </a:t>
+            </a:r>
+            <a:r>
+              <a:rPr lang="en-US" dirty="0" smtClean="0">
+                <a:solidFill>
+                  <a:srgbClr val="FF0000"/>
+                </a:solidFill>
+                <a:latin typeface="Arial" panose="020B0604020202020204" pitchFamily="34" charset="0"/>
+                <a:cs typeface="Arial" panose="020B0604020202020204" pitchFamily="34" charset="0"/>
+              </a:rPr>
+              <a:t>TRUU TUONG</a:t>
+            </a:r>
+            <a:r>
+              <a:rPr lang="en-US" dirty="0" smtClean="0">
+                <a:latin typeface="Arial" panose="020B0604020202020204" pitchFamily="34" charset="0"/>
+                <a:cs typeface="Arial" panose="020B0604020202020204" pitchFamily="34" charset="0"/>
+              </a:rPr>
+              <a:t>. </a:t>
+            </a:r>
+            <a:r>
+              <a:rPr lang="en-US" dirty="0" err="1" smtClean="0">
+                <a:latin typeface="Arial" panose="020B0604020202020204" pitchFamily="34" charset="0"/>
+                <a:cs typeface="Arial" panose="020B0604020202020204" pitchFamily="34" charset="0"/>
+              </a:rPr>
+              <a:t>Phai</a:t>
+            </a:r>
+            <a:r>
+              <a:rPr lang="en-US" dirty="0" smtClean="0">
+                <a:latin typeface="Arial" panose="020B0604020202020204" pitchFamily="34" charset="0"/>
+                <a:cs typeface="Arial" panose="020B0604020202020204" pitchFamily="34" charset="0"/>
+              </a:rPr>
+              <a:t> co </a:t>
+            </a:r>
+            <a:r>
+              <a:rPr lang="en-US" dirty="0" err="1" smtClean="0">
+                <a:latin typeface="Arial" panose="020B0604020202020204" pitchFamily="34" charset="0"/>
+                <a:cs typeface="Arial" panose="020B0604020202020204" pitchFamily="34" charset="0"/>
+              </a:rPr>
+              <a:t>kinh</a:t>
+            </a:r>
+            <a:r>
+              <a:rPr lang="en-US" dirty="0" smtClean="0">
+                <a:latin typeface="Arial" panose="020B0604020202020204" pitchFamily="34" charset="0"/>
+                <a:cs typeface="Arial" panose="020B0604020202020204" pitchFamily="34" charset="0"/>
+              </a:rPr>
+              <a:t> Nghiem </a:t>
+            </a:r>
+            <a:r>
+              <a:rPr lang="en-US" dirty="0" err="1" smtClean="0">
+                <a:latin typeface="Arial" panose="020B0604020202020204" pitchFamily="34" charset="0"/>
+                <a:cs typeface="Arial" panose="020B0604020202020204" pitchFamily="34" charset="0"/>
+              </a:rPr>
+              <a:t>biet</a:t>
+            </a:r>
+            <a:r>
+              <a:rPr lang="en-US" dirty="0" smtClean="0">
+                <a:latin typeface="Arial" panose="020B0604020202020204" pitchFamily="34" charset="0"/>
+                <a:cs typeface="Arial" panose="020B0604020202020204" pitchFamily="34" charset="0"/>
+              </a:rPr>
+              <a:t> </a:t>
+            </a:r>
+            <a:r>
+              <a:rPr lang="en-US" dirty="0" err="1" smtClean="0">
+                <a:latin typeface="Arial" panose="020B0604020202020204" pitchFamily="34" charset="0"/>
+                <a:cs typeface="Arial" panose="020B0604020202020204" pitchFamily="34" charset="0"/>
+              </a:rPr>
+              <a:t>doi</a:t>
+            </a:r>
+            <a:r>
+              <a:rPr lang="en-US" dirty="0" smtClean="0">
+                <a:latin typeface="Arial" panose="020B0604020202020204" pitchFamily="34" charset="0"/>
+                <a:cs typeface="Arial" panose="020B0604020202020204" pitchFamily="34" charset="0"/>
+              </a:rPr>
+              <a:t> </a:t>
+            </a:r>
+            <a:r>
+              <a:rPr lang="en-US" dirty="0" err="1" smtClean="0">
+                <a:latin typeface="Arial" panose="020B0604020202020204" pitchFamily="34" charset="0"/>
+                <a:cs typeface="Arial" panose="020B0604020202020204" pitchFamily="34" charset="0"/>
+              </a:rPr>
+              <a:t>nhanh</a:t>
+            </a:r>
+            <a:r>
+              <a:rPr lang="en-US" dirty="0" smtClean="0">
+                <a:latin typeface="Arial" panose="020B0604020202020204" pitchFamily="34" charset="0"/>
+                <a:cs typeface="Arial" panose="020B0604020202020204" pitchFamily="34" charset="0"/>
+              </a:rPr>
+              <a:t> </a:t>
+            </a:r>
+            <a:r>
+              <a:rPr lang="en-US" dirty="0" err="1" smtClean="0">
+                <a:latin typeface="Arial" panose="020B0604020202020204" pitchFamily="34" charset="0"/>
+                <a:cs typeface="Arial" panose="020B0604020202020204" pitchFamily="34" charset="0"/>
+              </a:rPr>
+              <a:t>cac</a:t>
+            </a:r>
+            <a:r>
+              <a:rPr lang="en-US" dirty="0" smtClean="0">
+                <a:latin typeface="Arial" panose="020B0604020202020204" pitchFamily="34" charset="0"/>
+                <a:cs typeface="Arial" panose="020B0604020202020204" pitchFamily="34" charset="0"/>
+              </a:rPr>
+              <a:t> </a:t>
+            </a:r>
+            <a:r>
+              <a:rPr lang="en-US" dirty="0" err="1" smtClean="0">
+                <a:latin typeface="Arial" panose="020B0604020202020204" pitchFamily="34" charset="0"/>
+                <a:cs typeface="Arial" panose="020B0604020202020204" pitchFamily="34" charset="0"/>
+              </a:rPr>
+              <a:t>bieu</a:t>
+            </a:r>
+            <a:r>
+              <a:rPr lang="en-US" dirty="0" smtClean="0">
+                <a:latin typeface="Arial" panose="020B0604020202020204" pitchFamily="34" charset="0"/>
+                <a:cs typeface="Arial" panose="020B0604020202020204" pitchFamily="34" charset="0"/>
+              </a:rPr>
+              <a:t> </a:t>
+            </a:r>
+            <a:r>
+              <a:rPr lang="en-US" dirty="0" err="1" smtClean="0">
+                <a:latin typeface="Arial" panose="020B0604020202020204" pitchFamily="34" charset="0"/>
+                <a:cs typeface="Arial" panose="020B0604020202020204" pitchFamily="34" charset="0"/>
+              </a:rPr>
+              <a:t>thuc</a:t>
+            </a:r>
+            <a:r>
+              <a:rPr lang="en-US" dirty="0" smtClean="0">
+                <a:latin typeface="Arial" panose="020B0604020202020204" pitchFamily="34" charset="0"/>
+                <a:cs typeface="Arial" panose="020B0604020202020204" pitchFamily="34" charset="0"/>
+              </a:rPr>
+              <a:t> </a:t>
+            </a:r>
+            <a:r>
+              <a:rPr lang="en-US" dirty="0" smtClean="0">
+                <a:solidFill>
+                  <a:srgbClr val="FF0000"/>
+                </a:solidFill>
+                <a:latin typeface="Arial" panose="020B0604020202020204" pitchFamily="34" charset="0"/>
+                <a:cs typeface="Arial" panose="020B0604020202020204" pitchFamily="34" charset="0"/>
+              </a:rPr>
+              <a:t>SO HOC</a:t>
+            </a:r>
+          </a:p>
+        </p:txBody>
+      </p:sp>
+      <p:pic>
+        <p:nvPicPr>
+          <p:cNvPr id="4" name="Picture 3"/>
+          <p:cNvPicPr>
+            <a:picLocks noChangeAspect="1"/>
+          </p:cNvPicPr>
+          <p:nvPr/>
+        </p:nvPicPr>
+        <p:blipFill>
+          <a:blip r:embed="rId2"/>
+          <a:stretch>
+            <a:fillRect/>
+          </a:stretch>
+        </p:blipFill>
+        <p:spPr>
+          <a:xfrm>
+            <a:off x="403850" y="569343"/>
+            <a:ext cx="11638625" cy="6858000"/>
+          </a:xfrm>
+          <a:prstGeom prst="rect">
+            <a:avLst/>
+          </a:prstGeom>
+        </p:spPr>
+      </p:pic>
+    </p:spTree>
+    <p:extLst>
+      <p:ext uri="{BB962C8B-B14F-4D97-AF65-F5344CB8AC3E}">
+        <p14:creationId xmlns:p14="http://schemas.microsoft.com/office/powerpoint/2010/main" val="2914477149"/>
+      </p:ext>
+    </p:extLst>
+  </p:cSld>
+  <p:clrMapOvr>
+    <a:masterClrMapping/>
+  </p:clrMapOvr>
+</p:sld>
+</file>
+
+<file path=ppt/slides/slide6.xml><?xml version="1.0" encoding="utf-8"?>
+<p:sld xmlns:a="http://schemas.openxmlformats.org/drawingml/2006/main" xmlns:r="http://schemas.openxmlformats.org/officeDocument/2006/relationships" xmlns:p="http://schemas.openxmlformats.org/presentationml/2006/main">
+  <p:cSld>
+    <p:spTree>
+      <p:nvGrpSpPr>
+        <p:cNvPr id="1" name=""/>
+        <p:cNvGrpSpPr/>
+        <p:nvPr/>
+      </p:nvGrpSpPr>
+      <p:grpSpPr>
+        <a:xfrm>
+          <a:off x="0" y="0"/>
+          <a:ext cx="0" cy="0"/>
+          <a:chOff x="0" y="0"/>
+          <a:chExt cx="0" cy="0"/>
+        </a:xfrm>
+      </p:grpSpPr>
+      <p:sp>
+        <p:nvSpPr>
+          <p:cNvPr id="11" name="TextBox 10"/>
+          <p:cNvSpPr txBox="1"/>
+          <p:nvPr/>
+        </p:nvSpPr>
+        <p:spPr>
+          <a:xfrm>
+            <a:off x="239465" y="128480"/>
+            <a:ext cx="11803010" cy="369332"/>
+          </a:xfrm>
+          <a:prstGeom prst="rect">
+            <a:avLst/>
+          </a:prstGeom>
+          <a:noFill/>
+        </p:spPr>
+        <p:txBody>
+          <a:bodyPr wrap="square" rtlCol="0">
+            <a:spAutoFit/>
+          </a:bodyPr>
+          <a:lstStyle/>
+          <a:p>
+            <a:r>
+              <a:rPr lang="en-US" dirty="0" smtClean="0">
+                <a:latin typeface="Arial" panose="020B0604020202020204" pitchFamily="34" charset="0"/>
+                <a:cs typeface="Arial" panose="020B0604020202020204" pitchFamily="34" charset="0"/>
+              </a:rPr>
+              <a:t>DANG TINH SO DO GOC</a:t>
+            </a:r>
+            <a:endParaRPr lang="en-US" dirty="0" smtClean="0">
+              <a:solidFill>
+                <a:srgbClr val="FF0000"/>
+              </a:solidFill>
+              <a:latin typeface="Arial" panose="020B0604020202020204" pitchFamily="34" charset="0"/>
+              <a:cs typeface="Arial" panose="020B0604020202020204" pitchFamily="34" charset="0"/>
+            </a:endParaRPr>
+          </a:p>
+        </p:txBody>
+      </p:sp>
+      <p:pic>
+        <p:nvPicPr>
+          <p:cNvPr id="2" name="Picture 1"/>
+          <p:cNvPicPr>
+            <a:picLocks noChangeAspect="1"/>
+          </p:cNvPicPr>
+          <p:nvPr/>
+        </p:nvPicPr>
+        <p:blipFill>
+          <a:blip r:embed="rId2"/>
+          <a:stretch>
+            <a:fillRect/>
+          </a:stretch>
+        </p:blipFill>
+        <p:spPr>
+          <a:xfrm>
+            <a:off x="1031125" y="497812"/>
+            <a:ext cx="9991725" cy="6248400"/>
+          </a:xfrm>
+          <a:prstGeom prst="rect">
+            <a:avLst/>
+          </a:prstGeom>
+        </p:spPr>
+      </p:pic>
     </p:spTree>
     <p:extLst>
       <p:ext uri="{BB962C8B-B14F-4D97-AF65-F5344CB8AC3E}">
         <p14:creationId xmlns:p14="http://schemas.microsoft.com/office/powerpoint/2010/main" val="1592254843"/>
+      </p:ext>
+    </p:extLst>
+  </p:cSld>
+  <p:clrMapOvr>
+    <a:masterClrMapping/>
+  </p:clrMapOvr>
+</p:sld>
+</file>
+
+<file path=ppt/slides/slide7.xml><?xml version="1.0" encoding="utf-8"?>
+<p:sld xmlns:a="http://schemas.openxmlformats.org/drawingml/2006/main" xmlns:r="http://schemas.openxmlformats.org/officeDocument/2006/relationships" xmlns:p="http://schemas.openxmlformats.org/presentationml/2006/main">
+  <p:cSld>
+    <p:spTree>
+      <p:nvGrpSpPr>
+        <p:cNvPr id="1" name=""/>
+        <p:cNvGrpSpPr/>
+        <p:nvPr/>
+      </p:nvGrpSpPr>
+      <p:grpSpPr>
+        <a:xfrm>
+          <a:off x="0" y="0"/>
+          <a:ext cx="0" cy="0"/>
+          <a:chOff x="0" y="0"/>
+          <a:chExt cx="0" cy="0"/>
+        </a:xfrm>
+      </p:grpSpPr>
+      <p:sp>
+        <p:nvSpPr>
+          <p:cNvPr id="11" name="TextBox 10"/>
+          <p:cNvSpPr txBox="1"/>
+          <p:nvPr/>
+        </p:nvSpPr>
+        <p:spPr>
+          <a:xfrm>
+            <a:off x="215661" y="128479"/>
+            <a:ext cx="10506974" cy="369332"/>
+          </a:xfrm>
+          <a:prstGeom prst="rect">
+            <a:avLst/>
+          </a:prstGeom>
+          <a:noFill/>
+        </p:spPr>
+        <p:txBody>
+          <a:bodyPr wrap="square" rtlCol="0">
+            <a:spAutoFit/>
+          </a:bodyPr>
+          <a:lstStyle/>
+          <a:p>
+            <a:r>
+              <a:rPr lang="en-US" dirty="0" smtClean="0">
+                <a:latin typeface="Arial" panose="020B0604020202020204" pitchFamily="34" charset="0"/>
+                <a:cs typeface="Arial" panose="020B0604020202020204" pitchFamily="34" charset="0"/>
+              </a:rPr>
+              <a:t>CM </a:t>
+            </a:r>
+            <a:r>
+              <a:rPr lang="en-US" dirty="0" err="1" smtClean="0">
+                <a:latin typeface="Arial" panose="020B0604020202020204" pitchFamily="34" charset="0"/>
+                <a:cs typeface="Arial" panose="020B0604020202020204" pitchFamily="34" charset="0"/>
+              </a:rPr>
+              <a:t>Goc</a:t>
+            </a:r>
+            <a:r>
+              <a:rPr lang="en-US" dirty="0" smtClean="0">
+                <a:latin typeface="Arial" panose="020B0604020202020204" pitchFamily="34" charset="0"/>
+                <a:cs typeface="Arial" panose="020B0604020202020204" pitchFamily="34" charset="0"/>
+              </a:rPr>
+              <a:t> bang </a:t>
+            </a:r>
+            <a:r>
+              <a:rPr lang="en-US" dirty="0" err="1" smtClean="0">
+                <a:latin typeface="Arial" panose="020B0604020202020204" pitchFamily="34" charset="0"/>
+                <a:cs typeface="Arial" panose="020B0604020202020204" pitchFamily="34" charset="0"/>
+              </a:rPr>
+              <a:t>Cung</a:t>
+            </a:r>
+            <a:r>
+              <a:rPr lang="en-US" dirty="0" smtClean="0">
+                <a:latin typeface="Arial" panose="020B0604020202020204" pitchFamily="34" charset="0"/>
+                <a:cs typeface="Arial" panose="020B0604020202020204" pitchFamily="34" charset="0"/>
+              </a:rPr>
+              <a:t> (2 </a:t>
+            </a:r>
+            <a:r>
+              <a:rPr lang="en-US" dirty="0" err="1" smtClean="0">
+                <a:latin typeface="Arial" panose="020B0604020202020204" pitchFamily="34" charset="0"/>
+                <a:cs typeface="Arial" panose="020B0604020202020204" pitchFamily="34" charset="0"/>
+              </a:rPr>
+              <a:t>bai</a:t>
+            </a:r>
+            <a:r>
+              <a:rPr lang="en-US" dirty="0" smtClean="0">
+                <a:latin typeface="Arial" panose="020B0604020202020204" pitchFamily="34" charset="0"/>
+                <a:cs typeface="Arial" panose="020B0604020202020204" pitchFamily="34" charset="0"/>
+              </a:rPr>
+              <a:t> </a:t>
+            </a:r>
+            <a:r>
+              <a:rPr lang="en-US" dirty="0" err="1" smtClean="0">
+                <a:latin typeface="Arial" panose="020B0604020202020204" pitchFamily="34" charset="0"/>
+                <a:cs typeface="Arial" panose="020B0604020202020204" pitchFamily="34" charset="0"/>
+              </a:rPr>
+              <a:t>sau</a:t>
+            </a:r>
+            <a:r>
+              <a:rPr lang="en-US" dirty="0" smtClean="0">
+                <a:latin typeface="Arial" panose="020B0604020202020204" pitchFamily="34" charset="0"/>
+                <a:cs typeface="Arial" panose="020B0604020202020204" pitchFamily="34" charset="0"/>
+              </a:rPr>
+              <a:t> same shit)</a:t>
+            </a:r>
+            <a:endParaRPr lang="en-US" dirty="0" smtClean="0">
+              <a:solidFill>
+                <a:srgbClr val="FF0000"/>
+              </a:solidFill>
+              <a:latin typeface="Arial" panose="020B0604020202020204" pitchFamily="34" charset="0"/>
+              <a:cs typeface="Arial" panose="020B0604020202020204" pitchFamily="34" charset="0"/>
+            </a:endParaRPr>
+          </a:p>
+        </p:txBody>
+      </p:sp>
+      <p:pic>
+        <p:nvPicPr>
+          <p:cNvPr id="3" name="Picture 2"/>
+          <p:cNvPicPr>
+            <a:picLocks noChangeAspect="1"/>
+          </p:cNvPicPr>
+          <p:nvPr/>
+        </p:nvPicPr>
+        <p:blipFill>
+          <a:blip r:embed="rId2"/>
+          <a:stretch>
+            <a:fillRect/>
+          </a:stretch>
+        </p:blipFill>
+        <p:spPr>
+          <a:xfrm>
+            <a:off x="1022656" y="596019"/>
+            <a:ext cx="8892983" cy="6123958"/>
+          </a:xfrm>
+          <a:prstGeom prst="rect">
+            <a:avLst/>
+          </a:prstGeom>
+        </p:spPr>
+      </p:pic>
+    </p:spTree>
+    <p:extLst>
+      <p:ext uri="{BB962C8B-B14F-4D97-AF65-F5344CB8AC3E}">
+        <p14:creationId xmlns:p14="http://schemas.microsoft.com/office/powerpoint/2010/main" val="1391767268"/>
       </p:ext>
     </p:extLst>
   </p:cSld>
